--- a/SoftServe.Demo2/Presentation/SoftServe-Demo2.pptx
+++ b/SoftServe.Demo2/Presentation/SoftServe-Demo2.pptx
@@ -202,7 +202,7 @@
           <a:p>
             <a:fld id="{AEDB6DF3-FA61-45CB-BE27-053A00556DB1}" type="datetimeFigureOut">
               <a:rPr lang="en-US" smtClean="0"/>
-              <a:t>11/24/2015</a:t>
+              <a:t>11/25/2015</a:t>
             </a:fld>
             <a:endParaRPr lang="en-US"/>
           </a:p>
@@ -373,7 +373,7 @@
             <a:fld id="{F89C4D45-EFF8-479D-AF6F-9BB9BF232254}" type="datetimeFigureOut">
               <a:rPr lang="en-US" smtClean="0"/>
               <a:pPr/>
-              <a:t>11/24/2015</a:t>
+              <a:t>11/25/2015</a:t>
             </a:fld>
             <a:endParaRPr lang="en-US"/>
           </a:p>
@@ -5957,8 +5957,13 @@
             </a:pPr>
             <a:r>
               <a:rPr lang="en-US" sz="3600" dirty="0" smtClean="0"/>
-              <a:t>Human recourse management system that can help HR’s to manage employees in their company</a:t>
-            </a:r>
+              <a:t>Human resource management system that supports HR’s in </a:t>
+            </a:r>
+            <a:r>
+              <a:rPr lang="en-US" sz="3600" smtClean="0"/>
+              <a:t>employees management</a:t>
+            </a:r>
+            <a:endParaRPr lang="en-US" sz="3600" dirty="0" smtClean="0"/>
           </a:p>
           <a:p>
             <a:pPr lvl="1">
@@ -5999,13 +6004,8 @@
           <a:p>
             <a:r>
               <a:rPr lang="en-US" sz="4400" dirty="0" smtClean="0"/>
-              <a:t>Code </a:t>
-            </a:r>
-            <a:r>
-              <a:rPr lang="en-US" sz="4400" dirty="0" smtClean="0"/>
-              <a:t>review </a:t>
-            </a:r>
-            <a:endParaRPr lang="en-US" sz="4400" dirty="0" smtClean="0"/>
+              <a:t>Code review </a:t>
+            </a:r>
           </a:p>
           <a:p>
             <a:pPr marL="0" indent="0">
@@ -6266,7 +6266,6 @@
               <a:rPr lang="en-US" sz="2000" dirty="0" smtClean="0"/>
               <a:t>- Contains properties of each 	employee with some validations 	and connections to other tables</a:t>
             </a:r>
-            <a:endParaRPr lang="en-US" sz="2000" dirty="0" smtClean="0"/>
           </a:p>
           <a:p>
             <a:r>
@@ -6286,7 +6285,6 @@
               <a:rPr lang="en-US" sz="2000" dirty="0" smtClean="0"/>
               <a:t>- Contains positions of each 	employee</a:t>
             </a:r>
-            <a:endParaRPr lang="en-US" sz="2000" dirty="0" smtClean="0"/>
           </a:p>
           <a:p>
             <a:r>
@@ -6306,7 +6304,6 @@
               <a:rPr lang="en-US" sz="2000" dirty="0" smtClean="0"/>
               <a:t>- Contains projects with 	description and 	connections to 	other tables</a:t>
             </a:r>
-            <a:endParaRPr lang="en-US" sz="2000" dirty="0" smtClean="0"/>
           </a:p>
           <a:p>
             <a:r>
@@ -6922,7 +6919,7 @@
       </p:sp>
       <p:pic>
         <p:nvPicPr>
-          <p:cNvPr id="3074" name="Picture 2"/>
+          <p:cNvPr id="3075" name="Picture 3"/>
           <p:cNvPicPr>
             <a:picLocks noChangeAspect="1" noChangeArrowheads="1"/>
           </p:cNvPicPr>
@@ -6943,8 +6940,8 @@
         </p:blipFill>
         <p:spPr bwMode="auto">
           <a:xfrm>
-            <a:off x="1295400" y="3335383"/>
-            <a:ext cx="6477000" cy="3040866"/>
+            <a:off x="4191000" y="975360"/>
+            <a:ext cx="3581400" cy="2286000"/>
           </a:xfrm>
           <a:prstGeom prst="rect">
             <a:avLst/>
@@ -6986,7 +6983,7 @@
       </p:pic>
       <p:pic>
         <p:nvPicPr>
-          <p:cNvPr id="3075" name="Picture 3"/>
+          <p:cNvPr id="1026" name="Picture 2"/>
           <p:cNvPicPr>
             <a:picLocks noChangeAspect="1" noChangeArrowheads="1"/>
           </p:cNvPicPr>
@@ -7007,8 +7004,8 @@
         </p:blipFill>
         <p:spPr bwMode="auto">
           <a:xfrm>
-            <a:off x="4191000" y="990600"/>
-            <a:ext cx="3581400" cy="2286000"/>
+            <a:off x="1098550" y="3352800"/>
+            <a:ext cx="6673850" cy="3000647"/>
           </a:xfrm>
           <a:prstGeom prst="rect">
             <a:avLst/>
@@ -7130,7 +7127,7 @@
       </p:sp>
       <p:pic>
         <p:nvPicPr>
-          <p:cNvPr id="4099" name="Picture 3"/>
+          <p:cNvPr id="2050" name="Picture 2"/>
           <p:cNvPicPr>
             <a:picLocks noChangeAspect="1" noChangeArrowheads="1"/>
           </p:cNvPicPr>
@@ -7151,8 +7148,8 @@
         </p:blipFill>
         <p:spPr bwMode="auto">
           <a:xfrm>
-            <a:off x="381000" y="990600"/>
-            <a:ext cx="8419011" cy="5305418"/>
+            <a:off x="304800" y="914400"/>
+            <a:ext cx="8534400" cy="5287203"/>
           </a:xfrm>
           <a:prstGeom prst="rect">
             <a:avLst/>

--- a/SoftServe.Demo2/Presentation/SoftServe-Demo2.pptx
+++ b/SoftServe.Demo2/Presentation/SoftServe-Demo2.pptx
@@ -5,20 +5,21 @@
     <p:sldMasterId id="2147483648" r:id="rId1"/>
   </p:sldMasterIdLst>
   <p:notesMasterIdLst>
-    <p:notesMasterId r:id="rId10"/>
+    <p:notesMasterId r:id="rId11"/>
   </p:notesMasterIdLst>
   <p:handoutMasterIdLst>
-    <p:handoutMasterId r:id="rId11"/>
+    <p:handoutMasterId r:id="rId12"/>
   </p:handoutMasterIdLst>
   <p:sldIdLst>
     <p:sldId id="597" r:id="rId2"/>
     <p:sldId id="606" r:id="rId3"/>
     <p:sldId id="609" r:id="rId4"/>
-    <p:sldId id="608" r:id="rId5"/>
-    <p:sldId id="611" r:id="rId6"/>
-    <p:sldId id="610" r:id="rId7"/>
-    <p:sldId id="612" r:id="rId8"/>
-    <p:sldId id="596" r:id="rId9"/>
+    <p:sldId id="613" r:id="rId5"/>
+    <p:sldId id="608" r:id="rId6"/>
+    <p:sldId id="611" r:id="rId7"/>
+    <p:sldId id="610" r:id="rId8"/>
+    <p:sldId id="612" r:id="rId9"/>
+    <p:sldId id="596" r:id="rId10"/>
   </p:sldIdLst>
   <p:sldSz cx="9144000" cy="6858000" type="screen4x3"/>
   <p:notesSz cx="7010400" cy="9296400"/>
@@ -768,7 +769,7 @@
             <a:fld id="{0B208339-1CDE-4508-95CE-C65DBDC3BF13}" type="slidenum">
               <a:rPr lang="en-US" smtClean="0"/>
               <a:pPr/>
-              <a:t>8</a:t>
+              <a:t>9</a:t>
             </a:fld>
             <a:endParaRPr lang="en-US"/>
           </a:p>
@@ -6490,6 +6491,127 @@
       </p:grpSpPr>
       <p:sp>
         <p:nvSpPr>
+          <p:cNvPr id="3" name="Slide Number Placeholder 2"/>
+          <p:cNvSpPr>
+            <a:spLocks noGrp="1"/>
+          </p:cNvSpPr>
+          <p:nvPr>
+            <p:ph type="sldNum" sz="quarter" idx="4"/>
+          </p:nvPr>
+        </p:nvSpPr>
+        <p:spPr/>
+        <p:txBody>
+          <a:bodyPr/>
+          <a:lstStyle/>
+          <a:p>
+            <a:fld id="{AD53D713-3284-4C71-8174-D6528838EBFD}" type="slidenum">
+              <a:rPr lang="uk-UA" smtClean="0"/>
+              <a:pPr/>
+              <a:t>4</a:t>
+            </a:fld>
+            <a:endParaRPr lang="uk-UA"/>
+          </a:p>
+        </p:txBody>
+      </p:sp>
+      <p:sp>
+        <p:nvSpPr>
+          <p:cNvPr id="4" name="Title 3"/>
+          <p:cNvSpPr>
+            <a:spLocks noGrp="1"/>
+          </p:cNvSpPr>
+          <p:nvPr>
+            <p:ph type="title"/>
+          </p:nvPr>
+        </p:nvSpPr>
+        <p:spPr/>
+        <p:txBody>
+          <a:bodyPr>
+            <a:normAutofit/>
+          </a:bodyPr>
+          <a:lstStyle/>
+          <a:p>
+            <a:pPr algn="ctr"/>
+            <a:r>
+              <a:rPr lang="en-US" sz="3400" dirty="0" smtClean="0"/>
+              <a:t>Database Diagram</a:t>
+            </a:r>
+            <a:endParaRPr lang="bg-BG" sz="3400" dirty="0"/>
+          </a:p>
+        </p:txBody>
+      </p:sp>
+      <p:pic>
+        <p:nvPicPr>
+          <p:cNvPr id="1026" name="Picture 2" descr="C:\Users\Turbo-X\Desktop\DatabaseDiagram.PNG"/>
+          <p:cNvPicPr>
+            <a:picLocks noChangeAspect="1" noChangeArrowheads="1"/>
+          </p:cNvPicPr>
+          <p:nvPr/>
+        </p:nvPicPr>
+        <p:blipFill>
+          <a:blip r:embed="rId2">
+            <a:extLst>
+              <a:ext uri="{28A0092B-C50C-407E-A947-70E740481C1C}">
+                <a14:useLocalDpi xmlns:a14="http://schemas.microsoft.com/office/drawing/2010/main" val="0"/>
+              </a:ext>
+            </a:extLst>
+          </a:blip>
+          <a:srcRect/>
+          <a:stretch>
+            <a:fillRect/>
+          </a:stretch>
+        </p:blipFill>
+        <p:spPr bwMode="auto">
+          <a:xfrm>
+            <a:off x="762000" y="1066800"/>
+            <a:ext cx="7620000" cy="5105400"/>
+          </a:xfrm>
+          <a:prstGeom prst="rect">
+            <a:avLst/>
+          </a:prstGeom>
+          <a:noFill/>
+          <a:extLst>
+            <a:ext uri="{909E8E84-426E-40DD-AFC4-6F175D3DCCD1}">
+              <a14:hiddenFill xmlns:a14="http://schemas.microsoft.com/office/drawing/2010/main">
+                <a:solidFill>
+                  <a:srgbClr val="FFFFFF"/>
+                </a:solidFill>
+              </a14:hiddenFill>
+            </a:ext>
+          </a:extLst>
+        </p:spPr>
+      </p:pic>
+    </p:spTree>
+    <p:extLst>
+      <p:ext uri="{BB962C8B-B14F-4D97-AF65-F5344CB8AC3E}">
+        <p14:creationId xmlns:p14="http://schemas.microsoft.com/office/powerpoint/2010/main" val="1147956280"/>
+      </p:ext>
+    </p:extLst>
+  </p:cSld>
+  <p:clrMapOvr>
+    <a:masterClrMapping/>
+  </p:clrMapOvr>
+</p:sld>
+</file>
+
+<file path=ppt/slides/slide5.xml><?xml version="1.0" encoding="utf-8"?>
+<p:sld xmlns:a="http://schemas.openxmlformats.org/drawingml/2006/main" xmlns:r="http://schemas.openxmlformats.org/officeDocument/2006/relationships" xmlns:p="http://schemas.openxmlformats.org/presentationml/2006/main">
+  <p:cSld>
+    <p:spTree>
+      <p:nvGrpSpPr>
+        <p:cNvPr id="1" name=""/>
+        <p:cNvGrpSpPr/>
+        <p:nvPr/>
+      </p:nvGrpSpPr>
+      <p:grpSpPr>
+        <a:xfrm>
+          <a:off x="0" y="0"/>
+          <a:ext cx="0" cy="0"/>
+          <a:chOff x="0" y="0"/>
+          <a:chExt cx="0" cy="0"/>
+        </a:xfrm>
+      </p:grpSpPr>
+      <p:sp>
+        <p:nvSpPr>
           <p:cNvPr id="7" name="Content Placeholder 6"/>
           <p:cNvSpPr>
             <a:spLocks noGrp="1"/>
@@ -6809,7 +6931,7 @@
 </p:sld>
 </file>
 
-<file path=ppt/slides/slide5.xml><?xml version="1.0" encoding="utf-8"?>
+<file path=ppt/slides/slide6.xml><?xml version="1.0" encoding="utf-8"?>
 <p:sld xmlns:a="http://schemas.openxmlformats.org/drawingml/2006/main" xmlns:r="http://schemas.openxmlformats.org/officeDocument/2006/relationships" xmlns:p="http://schemas.openxmlformats.org/presentationml/2006/main">
   <p:cSld>
     <p:spTree>
@@ -6885,7 +7007,7 @@
             <a:fld id="{AD53D713-3284-4C71-8174-D6528838EBFD}" type="slidenum">
               <a:rPr lang="uk-UA" smtClean="0"/>
               <a:pPr/>
-              <a:t>5</a:t>
+              <a:t>6</a:t>
             </a:fld>
             <a:endParaRPr lang="uk-UA"/>
           </a:p>
@@ -7058,7 +7180,7 @@
 </p:sld>
 </file>
 
-<file path=ppt/slides/slide6.xml><?xml version="1.0" encoding="utf-8"?>
+<file path=ppt/slides/slide7.xml><?xml version="1.0" encoding="utf-8"?>
 <p:sld xmlns:a="http://schemas.openxmlformats.org/drawingml/2006/main" xmlns:r="http://schemas.openxmlformats.org/officeDocument/2006/relationships" xmlns:p="http://schemas.openxmlformats.org/presentationml/2006/main">
   <p:cSld>
     <p:spTree>
@@ -7093,7 +7215,7 @@
             <a:fld id="{AD53D713-3284-4C71-8174-D6528838EBFD}" type="slidenum">
               <a:rPr lang="uk-UA" smtClean="0"/>
               <a:pPr/>
-              <a:t>6</a:t>
+              <a:t>7</a:t>
             </a:fld>
             <a:endParaRPr lang="uk-UA"/>
           </a:p>
@@ -7202,7 +7324,7 @@
 </p:sld>
 </file>
 
-<file path=ppt/slides/slide7.xml><?xml version="1.0" encoding="utf-8"?>
+<file path=ppt/slides/slide8.xml><?xml version="1.0" encoding="utf-8"?>
 <p:sld xmlns:a="http://schemas.openxmlformats.org/drawingml/2006/main" xmlns:r="http://schemas.openxmlformats.org/officeDocument/2006/relationships" xmlns:p="http://schemas.openxmlformats.org/presentationml/2006/main">
   <p:cSld>
     <p:spTree>
@@ -7255,7 +7377,7 @@
 </p:sld>
 </file>
 
-<file path=ppt/slides/slide8.xml><?xml version="1.0" encoding="utf-8"?>
+<file path=ppt/slides/slide9.xml><?xml version="1.0" encoding="utf-8"?>
 <p:sld xmlns:a="http://schemas.openxmlformats.org/drawingml/2006/main" xmlns:r="http://schemas.openxmlformats.org/officeDocument/2006/relationships" xmlns:p="http://schemas.openxmlformats.org/presentationml/2006/main">
   <p:cSld>
     <p:spTree>
